--- a/Case_Neptune.pptx
+++ b/Case_Neptune.pptx
@@ -4092,7 +4092,7 @@
             <a:fld id="{A3B23A20-18C1-43CE-9944-F00C5A2CA79F}" type="datetimeFigureOut">
               <a:rPr lang="pt-BR" smtClean="0"/>
               <a:pPr/>
-              <a:t>22/03/2023</a:t>
+              <a:t>04/04/2023</a:t>
             </a:fld>
             <a:endParaRPr lang="pt-BR" dirty="0"/>
           </a:p>
@@ -5951,7 +5951,7 @@
             <a:fld id="{B00733C4-A548-4A01-B75C-2199342EA247}" type="datetimeFigureOut">
               <a:rPr lang="pt-BR" smtClean="0"/>
               <a:pPr/>
-              <a:t>22/03/2023</a:t>
+              <a:t>04/04/2023</a:t>
             </a:fld>
             <a:endParaRPr lang="pt-BR" dirty="0"/>
           </a:p>
@@ -6249,7 +6249,7 @@
             <a:fld id="{B00733C4-A548-4A01-B75C-2199342EA247}" type="datetimeFigureOut">
               <a:rPr lang="pt-BR" smtClean="0"/>
               <a:pPr/>
-              <a:t>22/03/2023</a:t>
+              <a:t>04/04/2023</a:t>
             </a:fld>
             <a:endParaRPr lang="pt-BR" dirty="0"/>
           </a:p>
@@ -6557,7 +6557,7 @@
             <a:fld id="{B00733C4-A548-4A01-B75C-2199342EA247}" type="datetimeFigureOut">
               <a:rPr lang="pt-BR" smtClean="0"/>
               <a:pPr/>
-              <a:t>22/03/2023</a:t>
+              <a:t>04/04/2023</a:t>
             </a:fld>
             <a:endParaRPr lang="pt-BR" dirty="0"/>
           </a:p>
@@ -6855,7 +6855,7 @@
             <a:fld id="{B00733C4-A548-4A01-B75C-2199342EA247}" type="datetimeFigureOut">
               <a:rPr lang="pt-BR" smtClean="0"/>
               <a:pPr/>
-              <a:t>22/03/2023</a:t>
+              <a:t>04/04/2023</a:t>
             </a:fld>
             <a:endParaRPr lang="pt-BR" dirty="0"/>
           </a:p>
@@ -7210,7 +7210,7 @@
             <a:fld id="{B00733C4-A548-4A01-B75C-2199342EA247}" type="datetimeFigureOut">
               <a:rPr lang="pt-BR" smtClean="0"/>
               <a:pPr/>
-              <a:t>22/03/2023</a:t>
+              <a:t>04/04/2023</a:t>
             </a:fld>
             <a:endParaRPr lang="pt-BR" dirty="0"/>
           </a:p>
@@ -7591,7 +7591,7 @@
             <a:fld id="{B00733C4-A548-4A01-B75C-2199342EA247}" type="datetimeFigureOut">
               <a:rPr lang="pt-BR" smtClean="0"/>
               <a:pPr/>
-              <a:t>22/03/2023</a:t>
+              <a:t>04/04/2023</a:t>
             </a:fld>
             <a:endParaRPr lang="pt-BR" dirty="0"/>
           </a:p>
@@ -8119,7 +8119,7 @@
             <a:fld id="{B00733C4-A548-4A01-B75C-2199342EA247}" type="datetimeFigureOut">
               <a:rPr lang="pt-BR" smtClean="0"/>
               <a:pPr/>
-              <a:t>22/03/2023</a:t>
+              <a:t>04/04/2023</a:t>
             </a:fld>
             <a:endParaRPr lang="pt-BR" dirty="0"/>
           </a:p>
@@ -8344,7 +8344,7 @@
             <a:fld id="{B00733C4-A548-4A01-B75C-2199342EA247}" type="datetimeFigureOut">
               <a:rPr lang="pt-BR" smtClean="0"/>
               <a:pPr/>
-              <a:t>22/03/2023</a:t>
+              <a:t>04/04/2023</a:t>
             </a:fld>
             <a:endParaRPr lang="pt-BR" dirty="0"/>
           </a:p>
@@ -8537,7 +8537,7 @@
             <a:fld id="{B00733C4-A548-4A01-B75C-2199342EA247}" type="datetimeFigureOut">
               <a:rPr lang="pt-BR" smtClean="0"/>
               <a:pPr/>
-              <a:t>22/03/2023</a:t>
+              <a:t>04/04/2023</a:t>
             </a:fld>
             <a:endParaRPr lang="pt-BR" dirty="0"/>
           </a:p>
@@ -8928,7 +8928,7 @@
             <a:fld id="{B00733C4-A548-4A01-B75C-2199342EA247}" type="datetimeFigureOut">
               <a:rPr lang="pt-BR" smtClean="0"/>
               <a:pPr/>
-              <a:t>22/03/2023</a:t>
+              <a:t>04/04/2023</a:t>
             </a:fld>
             <a:endParaRPr lang="pt-BR" dirty="0"/>
           </a:p>
@@ -9296,7 +9296,7 @@
             <a:fld id="{B00733C4-A548-4A01-B75C-2199342EA247}" type="datetimeFigureOut">
               <a:rPr lang="pt-BR" smtClean="0"/>
               <a:pPr/>
-              <a:t>22/03/2023</a:t>
+              <a:t>04/04/2023</a:t>
             </a:fld>
             <a:endParaRPr lang="pt-BR" dirty="0"/>
           </a:p>
@@ -9613,7 +9613,7 @@
             <a:fld id="{B00733C4-A548-4A01-B75C-2199342EA247}" type="datetimeFigureOut">
               <a:rPr lang="pt-BR" smtClean="0"/>
               <a:pPr/>
-              <a:t>22/03/2023</a:t>
+              <a:t>04/04/2023</a:t>
             </a:fld>
             <a:endParaRPr lang="pt-BR" dirty="0"/>
           </a:p>
@@ -10202,117 +10202,6 @@
           </a:p>
         </p:txBody>
       </p:sp>
-      <p:grpSp>
-        <p:nvGrpSpPr>
-          <p:cNvPr id="3" name="Agrupar 2">
-            <a:extLst>
-              <a:ext uri="{FF2B5EF4-FFF2-40B4-BE49-F238E27FC236}">
-                <a16:creationId xmlns:a16="http://schemas.microsoft.com/office/drawing/2014/main" id="{F77AF6C8-A60E-176E-6195-FEE00209ABEF}"/>
-              </a:ext>
-            </a:extLst>
-          </p:cNvPr>
-          <p:cNvGrpSpPr/>
-          <p:nvPr/>
-        </p:nvGrpSpPr>
-        <p:grpSpPr>
-          <a:xfrm>
-            <a:off x="11474899" y="5941497"/>
-            <a:ext cx="1763429" cy="732258"/>
-            <a:chOff x="11474899" y="5941497"/>
-            <a:chExt cx="1763429" cy="732258"/>
-          </a:xfrm>
-        </p:grpSpPr>
-        <p:pic>
-          <p:nvPicPr>
-            <p:cNvPr id="4" name="Imagem 3" descr="Forma&#10;&#10;Descrição gerada automaticamente com confiança média">
-              <a:extLst>
-                <a:ext uri="{FF2B5EF4-FFF2-40B4-BE49-F238E27FC236}">
-                  <a16:creationId xmlns:a16="http://schemas.microsoft.com/office/drawing/2014/main" id="{CADFE786-473D-DCC3-3E06-CD013C27FD08}"/>
-                </a:ext>
-              </a:extLst>
-            </p:cNvPr>
-            <p:cNvPicPr>
-              <a:picLocks noChangeAspect="1"/>
-            </p:cNvPicPr>
-            <p:nvPr/>
-          </p:nvPicPr>
-          <p:blipFill>
-            <a:blip r:embed="rId6">
-              <a:extLst>
-                <a:ext uri="{28A0092B-C50C-407E-A947-70E740481C1C}">
-                  <a14:useLocalDpi xmlns:a14="http://schemas.microsoft.com/office/drawing/2010/main" val="0"/>
-                </a:ext>
-              </a:extLst>
-            </a:blip>
-            <a:stretch>
-              <a:fillRect/>
-            </a:stretch>
-          </p:blipFill>
-          <p:spPr>
-            <a:xfrm>
-              <a:off x="11474899" y="6126163"/>
-              <a:ext cx="1689048" cy="487665"/>
-            </a:xfrm>
-            <a:prstGeom prst="rect">
-              <a:avLst/>
-            </a:prstGeom>
-          </p:spPr>
-        </p:pic>
-        <p:sp>
-          <p:nvSpPr>
-            <p:cNvPr id="7" name="Retângulo 6">
-              <a:extLst>
-                <a:ext uri="{FF2B5EF4-FFF2-40B4-BE49-F238E27FC236}">
-                  <a16:creationId xmlns:a16="http://schemas.microsoft.com/office/drawing/2014/main" id="{65C2B03E-02E2-7488-465E-AB1C96EA663D}"/>
-                </a:ext>
-              </a:extLst>
-            </p:cNvPr>
-            <p:cNvSpPr/>
-            <p:nvPr/>
-          </p:nvSpPr>
-          <p:spPr>
-            <a:xfrm>
-              <a:off x="12078269" y="5941497"/>
-              <a:ext cx="1160059" cy="732258"/>
-            </a:xfrm>
-            <a:prstGeom prst="rect">
-              <a:avLst/>
-            </a:prstGeom>
-            <a:solidFill>
-              <a:schemeClr val="bg1"/>
-            </a:solidFill>
-            <a:ln>
-              <a:solidFill>
-                <a:schemeClr val="bg1"/>
-              </a:solidFill>
-            </a:ln>
-          </p:spPr>
-          <p:style>
-            <a:lnRef idx="2">
-              <a:schemeClr val="accent1">
-                <a:shade val="50000"/>
-              </a:schemeClr>
-            </a:lnRef>
-            <a:fillRef idx="1">
-              <a:schemeClr val="accent1"/>
-            </a:fillRef>
-            <a:effectRef idx="0">
-              <a:schemeClr val="accent1"/>
-            </a:effectRef>
-            <a:fontRef idx="minor">
-              <a:schemeClr val="lt1"/>
-            </a:fontRef>
-          </p:style>
-          <p:txBody>
-            <a:bodyPr rtlCol="0" anchor="ctr"/>
-            <a:lstStyle/>
-            <a:p>
-              <a:pPr algn="ctr"/>
-              <a:endParaRPr lang="pt-BR" dirty="0"/>
-            </a:p>
-          </p:txBody>
-        </p:sp>
-      </p:grpSp>
     </p:spTree>
     <p:extLst>
       <p:ext uri="{BB962C8B-B14F-4D97-AF65-F5344CB8AC3E}">
@@ -11005,7 +10894,7 @@
                   <a:srgbClr val="3388FF"/>
                 </a:solidFill>
               </a:rPr>
-              <a:t>Crescimento de clientes ativos e transacionando de 670% e 563%, respectivamente, após a campanha, em média. Objetivo: Diminuir a diferença entre clientes ativos e transacionando.</a:t>
+              <a:t>Crescimento de clientes ativos e transacionando de 670% e 563%, respectivamente, após a campanha, em média. Objetivo: Diminuir a diferença entre clientes ativos e transacionando</a:t>
             </a:r>
             <a:endParaRPr lang="pt-BR" sz="2800" baseline="30000" dirty="0">
               <a:solidFill>
@@ -14871,7 +14760,7 @@
                   <a:srgbClr val="3388FF"/>
                 </a:solidFill>
               </a:rPr>
-              <a:t>Crescimento de vendas de máquinas e novos clientes de 280% e 222%, respectivamente, em relação a média das demais cidades, sem o foco da campanha.</a:t>
+              <a:t>Crescimento de vendas de máquinas e novos clientes de 280% e 222%, respectivamente, em relação a média das demais cidades, sem o foco da campanha</a:t>
             </a:r>
             <a:endParaRPr lang="pt-BR" sz="2800" baseline="30000" dirty="0">
               <a:solidFill>
@@ -28606,7 +28495,7 @@
                   <a:srgbClr val="3388FF"/>
                 </a:solidFill>
               </a:rPr>
-              <a:t>O público alvo aumentou, em média, 46% do TPV médio geral. À medida que perdemos esse público, a média geral tende a se aproximar daquela fora da campanha.</a:t>
+              <a:t>O público alvo aumentou, em média, 46% do TPV médio geral. À medida que perdemos esse público, a média geral tende a se aproximar daquela fora da campanha</a:t>
             </a:r>
             <a:endParaRPr lang="pt-BR" sz="2800" baseline="30000" dirty="0">
               <a:solidFill>
@@ -28711,117 +28600,6 @@
           </p:style>
         </p:cxnSp>
       </p:grpSp>
-      <p:grpSp>
-        <p:nvGrpSpPr>
-          <p:cNvPr id="3" name="Agrupar 2">
-            <a:extLst>
-              <a:ext uri="{FF2B5EF4-FFF2-40B4-BE49-F238E27FC236}">
-                <a16:creationId xmlns:a16="http://schemas.microsoft.com/office/drawing/2014/main" id="{F77AF6C8-A60E-176E-6195-FEE00209ABEF}"/>
-              </a:ext>
-            </a:extLst>
-          </p:cNvPr>
-          <p:cNvGrpSpPr/>
-          <p:nvPr/>
-        </p:nvGrpSpPr>
-        <p:grpSpPr>
-          <a:xfrm>
-            <a:off x="11474899" y="5941497"/>
-            <a:ext cx="1763429" cy="732258"/>
-            <a:chOff x="11474899" y="5941497"/>
-            <a:chExt cx="1763429" cy="732258"/>
-          </a:xfrm>
-        </p:grpSpPr>
-        <p:pic>
-          <p:nvPicPr>
-            <p:cNvPr id="4" name="Imagem 3" descr="Forma&#10;&#10;Descrição gerada automaticamente com confiança média">
-              <a:extLst>
-                <a:ext uri="{FF2B5EF4-FFF2-40B4-BE49-F238E27FC236}">
-                  <a16:creationId xmlns:a16="http://schemas.microsoft.com/office/drawing/2014/main" id="{CADFE786-473D-DCC3-3E06-CD013C27FD08}"/>
-                </a:ext>
-              </a:extLst>
-            </p:cNvPr>
-            <p:cNvPicPr>
-              <a:picLocks noChangeAspect="1"/>
-            </p:cNvPicPr>
-            <p:nvPr/>
-          </p:nvPicPr>
-          <p:blipFill>
-            <a:blip r:embed="rId46">
-              <a:extLst>
-                <a:ext uri="{28A0092B-C50C-407E-A947-70E740481C1C}">
-                  <a14:useLocalDpi xmlns:a14="http://schemas.microsoft.com/office/drawing/2010/main" val="0"/>
-                </a:ext>
-              </a:extLst>
-            </a:blip>
-            <a:stretch>
-              <a:fillRect/>
-            </a:stretch>
-          </p:blipFill>
-          <p:spPr>
-            <a:xfrm>
-              <a:off x="11474899" y="6126163"/>
-              <a:ext cx="1689048" cy="487665"/>
-            </a:xfrm>
-            <a:prstGeom prst="rect">
-              <a:avLst/>
-            </a:prstGeom>
-          </p:spPr>
-        </p:pic>
-        <p:sp>
-          <p:nvSpPr>
-            <p:cNvPr id="7" name="Retângulo 6">
-              <a:extLst>
-                <a:ext uri="{FF2B5EF4-FFF2-40B4-BE49-F238E27FC236}">
-                  <a16:creationId xmlns:a16="http://schemas.microsoft.com/office/drawing/2014/main" id="{65C2B03E-02E2-7488-465E-AB1C96EA663D}"/>
-                </a:ext>
-              </a:extLst>
-            </p:cNvPr>
-            <p:cNvSpPr/>
-            <p:nvPr/>
-          </p:nvSpPr>
-          <p:spPr>
-            <a:xfrm>
-              <a:off x="12078269" y="5941497"/>
-              <a:ext cx="1160059" cy="732258"/>
-            </a:xfrm>
-            <a:prstGeom prst="rect">
-              <a:avLst/>
-            </a:prstGeom>
-            <a:solidFill>
-              <a:schemeClr val="bg1"/>
-            </a:solidFill>
-            <a:ln>
-              <a:solidFill>
-                <a:schemeClr val="bg1"/>
-              </a:solidFill>
-            </a:ln>
-          </p:spPr>
-          <p:style>
-            <a:lnRef idx="2">
-              <a:schemeClr val="accent1">
-                <a:shade val="50000"/>
-              </a:schemeClr>
-            </a:lnRef>
-            <a:fillRef idx="1">
-              <a:schemeClr val="accent1"/>
-            </a:fillRef>
-            <a:effectRef idx="0">
-              <a:schemeClr val="accent1"/>
-            </a:effectRef>
-            <a:fontRef idx="minor">
-              <a:schemeClr val="lt1"/>
-            </a:fontRef>
-          </p:style>
-          <p:txBody>
-            <a:bodyPr rtlCol="0" anchor="ctr"/>
-            <a:lstStyle/>
-            <a:p>
-              <a:pPr algn="ctr"/>
-              <a:endParaRPr lang="pt-BR" dirty="0"/>
-            </a:p>
-          </p:txBody>
-        </p:sp>
-      </p:grpSp>
       <p:graphicFrame>
         <p:nvGraphicFramePr>
           <p:cNvPr id="58" name="Chart 3">
@@ -28849,7 +28627,7 @@
         </p:xfrm>
         <a:graphic>
           <a:graphicData uri="http://schemas.openxmlformats.org/drawingml/2006/chart">
-            <c:chart xmlns:c="http://schemas.openxmlformats.org/drawingml/2006/chart" xmlns:r="http://schemas.openxmlformats.org/officeDocument/2006/relationships" r:id="rId47"/>
+            <c:chart xmlns:c="http://schemas.openxmlformats.org/drawingml/2006/chart" xmlns:r="http://schemas.openxmlformats.org/officeDocument/2006/relationships" r:id="rId46"/>
           </a:graphicData>
         </a:graphic>
       </p:graphicFrame>

--- a/Case_Neptune.pptx
+++ b/Case_Neptune.pptx
@@ -4092,7 +4092,7 @@
             <a:fld id="{A3B23A20-18C1-43CE-9944-F00C5A2CA79F}" type="datetimeFigureOut">
               <a:rPr lang="pt-BR" smtClean="0"/>
               <a:pPr/>
-              <a:t>04/04/2023</a:t>
+              <a:t>05/04/2023</a:t>
             </a:fld>
             <a:endParaRPr lang="pt-BR" dirty="0"/>
           </a:p>
@@ -5951,7 +5951,7 @@
             <a:fld id="{B00733C4-A548-4A01-B75C-2199342EA247}" type="datetimeFigureOut">
               <a:rPr lang="pt-BR" smtClean="0"/>
               <a:pPr/>
-              <a:t>04/04/2023</a:t>
+              <a:t>05/04/2023</a:t>
             </a:fld>
             <a:endParaRPr lang="pt-BR" dirty="0"/>
           </a:p>
@@ -6249,7 +6249,7 @@
             <a:fld id="{B00733C4-A548-4A01-B75C-2199342EA247}" type="datetimeFigureOut">
               <a:rPr lang="pt-BR" smtClean="0"/>
               <a:pPr/>
-              <a:t>04/04/2023</a:t>
+              <a:t>05/04/2023</a:t>
             </a:fld>
             <a:endParaRPr lang="pt-BR" dirty="0"/>
           </a:p>
@@ -6557,7 +6557,7 @@
             <a:fld id="{B00733C4-A548-4A01-B75C-2199342EA247}" type="datetimeFigureOut">
               <a:rPr lang="pt-BR" smtClean="0"/>
               <a:pPr/>
-              <a:t>04/04/2023</a:t>
+              <a:t>05/04/2023</a:t>
             </a:fld>
             <a:endParaRPr lang="pt-BR" dirty="0"/>
           </a:p>
@@ -6855,7 +6855,7 @@
             <a:fld id="{B00733C4-A548-4A01-B75C-2199342EA247}" type="datetimeFigureOut">
               <a:rPr lang="pt-BR" smtClean="0"/>
               <a:pPr/>
-              <a:t>04/04/2023</a:t>
+              <a:t>05/04/2023</a:t>
             </a:fld>
             <a:endParaRPr lang="pt-BR" dirty="0"/>
           </a:p>
@@ -7210,7 +7210,7 @@
             <a:fld id="{B00733C4-A548-4A01-B75C-2199342EA247}" type="datetimeFigureOut">
               <a:rPr lang="pt-BR" smtClean="0"/>
               <a:pPr/>
-              <a:t>04/04/2023</a:t>
+              <a:t>05/04/2023</a:t>
             </a:fld>
             <a:endParaRPr lang="pt-BR" dirty="0"/>
           </a:p>
@@ -7591,7 +7591,7 @@
             <a:fld id="{B00733C4-A548-4A01-B75C-2199342EA247}" type="datetimeFigureOut">
               <a:rPr lang="pt-BR" smtClean="0"/>
               <a:pPr/>
-              <a:t>04/04/2023</a:t>
+              <a:t>05/04/2023</a:t>
             </a:fld>
             <a:endParaRPr lang="pt-BR" dirty="0"/>
           </a:p>
@@ -8119,7 +8119,7 @@
             <a:fld id="{B00733C4-A548-4A01-B75C-2199342EA247}" type="datetimeFigureOut">
               <a:rPr lang="pt-BR" smtClean="0"/>
               <a:pPr/>
-              <a:t>04/04/2023</a:t>
+              <a:t>05/04/2023</a:t>
             </a:fld>
             <a:endParaRPr lang="pt-BR" dirty="0"/>
           </a:p>
@@ -8344,7 +8344,7 @@
             <a:fld id="{B00733C4-A548-4A01-B75C-2199342EA247}" type="datetimeFigureOut">
               <a:rPr lang="pt-BR" smtClean="0"/>
               <a:pPr/>
-              <a:t>04/04/2023</a:t>
+              <a:t>05/04/2023</a:t>
             </a:fld>
             <a:endParaRPr lang="pt-BR" dirty="0"/>
           </a:p>
@@ -8537,7 +8537,7 @@
             <a:fld id="{B00733C4-A548-4A01-B75C-2199342EA247}" type="datetimeFigureOut">
               <a:rPr lang="pt-BR" smtClean="0"/>
               <a:pPr/>
-              <a:t>04/04/2023</a:t>
+              <a:t>05/04/2023</a:t>
             </a:fld>
             <a:endParaRPr lang="pt-BR" dirty="0"/>
           </a:p>
@@ -8928,7 +8928,7 @@
             <a:fld id="{B00733C4-A548-4A01-B75C-2199342EA247}" type="datetimeFigureOut">
               <a:rPr lang="pt-BR" smtClean="0"/>
               <a:pPr/>
-              <a:t>04/04/2023</a:t>
+              <a:t>05/04/2023</a:t>
             </a:fld>
             <a:endParaRPr lang="pt-BR" dirty="0"/>
           </a:p>
@@ -9296,7 +9296,7 @@
             <a:fld id="{B00733C4-A548-4A01-B75C-2199342EA247}" type="datetimeFigureOut">
               <a:rPr lang="pt-BR" smtClean="0"/>
               <a:pPr/>
-              <a:t>04/04/2023</a:t>
+              <a:t>05/04/2023</a:t>
             </a:fld>
             <a:endParaRPr lang="pt-BR" dirty="0"/>
           </a:p>
@@ -9613,7 +9613,7 @@
             <a:fld id="{B00733C4-A548-4A01-B75C-2199342EA247}" type="datetimeFigureOut">
               <a:rPr lang="pt-BR" smtClean="0"/>
               <a:pPr/>
-              <a:t>04/04/2023</a:t>
+              <a:t>05/04/2023</a:t>
             </a:fld>
             <a:endParaRPr lang="pt-BR" dirty="0"/>
           </a:p>
@@ -10815,7 +10815,7 @@
             <a:p>
               <a:r>
                 <a:rPr lang="pt-BR" i="1" dirty="0"/>
-                <a:t>Crescimento da base de Clientes (#N):</a:t>
+                <a:t>Crescimento da Base de Clientes (#N):</a:t>
               </a:r>
             </a:p>
           </p:txBody>
@@ -10894,7 +10894,27 @@
                   <a:srgbClr val="3388FF"/>
                 </a:solidFill>
               </a:rPr>
-              <a:t>Crescimento de clientes ativos e transacionando de 670% e 563%, respectivamente, após a campanha, em média. Objetivo: Diminuir a diferença entre clientes ativos e transacionando</a:t>
+              <a:t>Crescimento médio de clientes ativos e transacionando de 670% e 563%, </a:t>
+            </a:r>
+          </a:p>
+          <a:p>
+            <a:r>
+              <a:rPr lang="pt-BR" sz="2800" b="1" dirty="0">
+                <a:solidFill>
+                  <a:srgbClr val="3388FF"/>
+                </a:solidFill>
+              </a:rPr>
+              <a:t>respectivamente, após a campanha. Objetivo: Diminuir a </a:t>
+            </a:r>
+          </a:p>
+          <a:p>
+            <a:r>
+              <a:rPr lang="pt-BR" sz="2800" b="1" dirty="0">
+                <a:solidFill>
+                  <a:srgbClr val="3388FF"/>
+                </a:solidFill>
+              </a:rPr>
+              <a:t>diferença entre clientes ativos e transacionando</a:t>
             </a:r>
             <a:endParaRPr lang="pt-BR" sz="2800" baseline="30000" dirty="0">
               <a:solidFill>
@@ -12711,7 +12731,7 @@
               <a:pPr algn="r"/>
               <a:r>
                 <a:rPr lang="pt-BR" i="1" dirty="0"/>
-                <a:t>Crescimento da base de Clientes (#N):</a:t>
+                <a:t>Crescimento da Base de Clientes (#N):</a:t>
               </a:r>
             </a:p>
           </p:txBody>
@@ -28555,7 +28575,7 @@
             <a:p>
               <a:r>
                 <a:rPr lang="pt-BR" i="1" dirty="0"/>
-                <a:t>TPV Médio por público (em R$ k):</a:t>
+                <a:t>TPV Médio por Público (em R$ k):</a:t>
               </a:r>
             </a:p>
           </p:txBody>
